--- a/Document/가이드라인/소스트리 가이드 라인.pptx
+++ b/Document/가이드라인/소스트리 가이드 라인.pptx
@@ -311,7 +311,7 @@
           <a:p>
             <a:fld id="{2A88CFD4-CE06-45B6-A06F-81CF79ECA1EA}" type="datetimeFigureOut">
               <a:rPr lang="ko-KR" altLang="en-US" smtClean="0"/>
-              <a:t>2019-07-16</a:t>
+              <a:t>2019-08-02</a:t>
             </a:fld>
             <a:endParaRPr lang="ko-KR" altLang="en-US"/>
           </a:p>
@@ -549,7 +549,7 @@
           <a:p>
             <a:fld id="{2A88CFD4-CE06-45B6-A06F-81CF79ECA1EA}" type="datetimeFigureOut">
               <a:rPr lang="ko-KR" altLang="en-US" smtClean="0"/>
-              <a:t>2019-07-16</a:t>
+              <a:t>2019-08-02</a:t>
             </a:fld>
             <a:endParaRPr lang="ko-KR" altLang="en-US"/>
           </a:p>
@@ -884,7 +884,7 @@
           <a:p>
             <a:fld id="{2A88CFD4-CE06-45B6-A06F-81CF79ECA1EA}" type="datetimeFigureOut">
               <a:rPr lang="ko-KR" altLang="en-US" smtClean="0"/>
-              <a:t>2019-07-16</a:t>
+              <a:t>2019-08-02</a:t>
             </a:fld>
             <a:endParaRPr lang="ko-KR" altLang="en-US"/>
           </a:p>
@@ -1187,7 +1187,7 @@
           <a:p>
             <a:fld id="{2A88CFD4-CE06-45B6-A06F-81CF79ECA1EA}" type="datetimeFigureOut">
               <a:rPr lang="ko-KR" altLang="en-US" smtClean="0"/>
-              <a:t>2019-07-16</a:t>
+              <a:t>2019-08-02</a:t>
             </a:fld>
             <a:endParaRPr lang="ko-KR" altLang="en-US"/>
           </a:p>
@@ -1638,7 +1638,7 @@
           <a:p>
             <a:fld id="{2A88CFD4-CE06-45B6-A06F-81CF79ECA1EA}" type="datetimeFigureOut">
               <a:rPr lang="ko-KR" altLang="en-US" smtClean="0"/>
-              <a:t>2019-07-16</a:t>
+              <a:t>2019-08-02</a:t>
             </a:fld>
             <a:endParaRPr lang="ko-KR" altLang="en-US"/>
           </a:p>
@@ -1811,7 +1811,7 @@
           <a:p>
             <a:fld id="{2A88CFD4-CE06-45B6-A06F-81CF79ECA1EA}" type="datetimeFigureOut">
               <a:rPr lang="ko-KR" altLang="en-US" smtClean="0"/>
-              <a:t>2019-07-16</a:t>
+              <a:t>2019-08-02</a:t>
             </a:fld>
             <a:endParaRPr lang="ko-KR" altLang="en-US"/>
           </a:p>
@@ -1948,7 +1948,7 @@
           <a:p>
             <a:fld id="{2A88CFD4-CE06-45B6-A06F-81CF79ECA1EA}" type="datetimeFigureOut">
               <a:rPr lang="ko-KR" altLang="en-US" smtClean="0"/>
-              <a:t>2019-07-16</a:t>
+              <a:t>2019-08-02</a:t>
             </a:fld>
             <a:endParaRPr lang="ko-KR" altLang="en-US"/>
           </a:p>
@@ -2292,7 +2292,7 @@
           <a:p>
             <a:fld id="{2A88CFD4-CE06-45B6-A06F-81CF79ECA1EA}" type="datetimeFigureOut">
               <a:rPr lang="ko-KR" altLang="en-US" smtClean="0"/>
-              <a:t>2019-07-16</a:t>
+              <a:t>2019-08-02</a:t>
             </a:fld>
             <a:endParaRPr lang="ko-KR" altLang="en-US"/>
           </a:p>
@@ -2613,7 +2613,7 @@
           <a:p>
             <a:fld id="{2A88CFD4-CE06-45B6-A06F-81CF79ECA1EA}" type="datetimeFigureOut">
               <a:rPr lang="ko-KR" altLang="en-US" smtClean="0"/>
-              <a:t>2019-07-16</a:t>
+              <a:t>2019-08-02</a:t>
             </a:fld>
             <a:endParaRPr lang="ko-KR" altLang="en-US"/>
           </a:p>
